--- a/dia5/lecture5_review.pptx
+++ b/dia5/lecture5_review.pptx
@@ -225,7 +225,7 @@
           <a:p>
             <a:fld id="{9EC8F33C-A7AA-43A7-BCA9-F081EA0B4664}" type="datetimeFigureOut">
               <a:rPr lang="en-US" smtClean="0"/>
-              <a:t>1/18/2019</a:t>
+              <a:t>1/21/2019</a:t>
             </a:fld>
             <a:endParaRPr lang="en-US"/>
           </a:p>
@@ -574,7 +574,7 @@
           </a:ln>
           <a:extLst>
             <a:ext uri="{909E8E84-426E-40dd-AFC4-6F175D3DCCD1}">
-              <a14:hiddenFill xmlns:a14="http://schemas.microsoft.com/office/drawing/2010/main" xmlns="">
+              <a14:hiddenFill xmlns="" xmlns:a14="http://schemas.microsoft.com/office/drawing/2010/main">
                 <a:solidFill>
                   <a:srgbClr val="FFFFFF"/>
                 </a:solidFill>
@@ -617,7 +617,7 @@
           </a:ln>
           <a:extLst>
             <a:ext uri="{909E8E84-426E-40dd-AFC4-6F175D3DCCD1}">
-              <a14:hiddenFill xmlns:a14="http://schemas.microsoft.com/office/drawing/2010/main" xmlns="">
+              <a14:hiddenFill xmlns="" xmlns:a14="http://schemas.microsoft.com/office/drawing/2010/main">
                 <a:noFill/>
               </a14:hiddenFill>
             </a:ext>
@@ -716,7 +716,7 @@
           <a:p>
             <a:fld id="{9A356AEA-056F-417E-9B38-4BA8743FE6C4}" type="datetime1">
               <a:rPr lang="en-US" smtClean="0"/>
-              <a:t>1/18/2019</a:t>
+              <a:t>1/21/2019</a:t>
             </a:fld>
             <a:endParaRPr lang="en-US"/>
           </a:p>
@@ -903,7 +903,7 @@
           <a:p>
             <a:fld id="{09867F7C-1948-4907-9EBC-DD38682B5188}" type="datetime1">
               <a:rPr lang="en-US" smtClean="0"/>
-              <a:t>1/18/2019</a:t>
+              <a:t>1/21/2019</a:t>
             </a:fld>
             <a:endParaRPr lang="en-US"/>
           </a:p>
@@ -1099,7 +1099,7 @@
           <a:p>
             <a:fld id="{A5996870-3492-4879-A20C-50CF7F25E309}" type="datetime1">
               <a:rPr lang="en-US" smtClean="0"/>
-              <a:t>1/18/2019</a:t>
+              <a:t>1/21/2019</a:t>
             </a:fld>
             <a:endParaRPr lang="en-US"/>
           </a:p>
@@ -1351,7 +1351,7 @@
           <a:p>
             <a:fld id="{3339509F-2835-4D20-8448-C5CCD453FC4A}" type="datetime1">
               <a:rPr lang="en-US" smtClean="0"/>
-              <a:t>1/18/2019</a:t>
+              <a:t>1/21/2019</a:t>
             </a:fld>
             <a:endParaRPr lang="en-US"/>
           </a:p>
@@ -1575,7 +1575,7 @@
           <a:p>
             <a:fld id="{7A6EDDDE-DBE4-4114-B865-EC3A2920782E}" type="datetime1">
               <a:rPr lang="en-US" smtClean="0"/>
-              <a:t>1/18/2019</a:t>
+              <a:t>1/21/2019</a:t>
             </a:fld>
             <a:endParaRPr lang="en-US"/>
           </a:p>
@@ -1883,7 +1883,7 @@
           <a:p>
             <a:fld id="{8DA96907-43AE-4B1E-B5FF-6853ADDA5697}" type="datetime1">
               <a:rPr lang="en-US" smtClean="0"/>
-              <a:t>1/18/2019</a:t>
+              <a:t>1/21/2019</a:t>
             </a:fld>
             <a:endParaRPr lang="en-US"/>
           </a:p>
@@ -2051,7 +2051,7 @@
           <a:p>
             <a:fld id="{2E65DF97-DE0F-4515-8F8D-0E1C627BC4E9}" type="datetime1">
               <a:rPr lang="en-US" smtClean="0"/>
-              <a:t>1/18/2019</a:t>
+              <a:t>1/21/2019</a:t>
             </a:fld>
             <a:endParaRPr lang="en-US"/>
           </a:p>
@@ -2363,7 +2363,7 @@
           <a:p>
             <a:fld id="{23B9FD00-80D5-4EA7-B536-8F4F2C3959C9}" type="datetime1">
               <a:rPr lang="en-US" smtClean="0"/>
-              <a:t>1/18/2019</a:t>
+              <a:t>1/21/2019</a:t>
             </a:fld>
             <a:endParaRPr lang="en-US"/>
           </a:p>
@@ -2675,7 +2675,7 @@
           <a:p>
             <a:fld id="{DAC77084-4DB4-4A23-9870-BF49183ACB4C}" type="datetime1">
               <a:rPr lang="en-US" smtClean="0"/>
-              <a:t>1/18/2019</a:t>
+              <a:t>1/21/2019</a:t>
             </a:fld>
             <a:endParaRPr lang="en-US"/>
           </a:p>
@@ -2861,7 +2861,7 @@
           <a:p>
             <a:fld id="{6E487ECE-0D8C-4AFB-BD35-997F06E0971C}" type="datetime1">
               <a:rPr lang="en-US" smtClean="0"/>
-              <a:t>1/18/2019</a:t>
+              <a:t>1/21/2019</a:t>
             </a:fld>
             <a:endParaRPr lang="en-US"/>
           </a:p>
@@ -3070,7 +3070,7 @@
           <a:p>
             <a:fld id="{D4F6DC8D-78A1-49CC-B033-F77D87B04958}" type="datetime1">
               <a:rPr lang="en-US" smtClean="0"/>
-              <a:t>1/18/2019</a:t>
+              <a:t>1/21/2019</a:t>
             </a:fld>
             <a:endParaRPr lang="en-US"/>
           </a:p>
@@ -3373,7 +3373,7 @@
           <a:p>
             <a:fld id="{3BCF4A7C-A413-48DA-9211-5240CAEE1DD4}" type="datetime1">
               <a:rPr lang="en-US" smtClean="0"/>
-              <a:t>1/18/2019</a:t>
+              <a:t>1/21/2019</a:t>
             </a:fld>
             <a:endParaRPr lang="en-US"/>
           </a:p>
@@ -3815,7 +3815,7 @@
           <a:p>
             <a:fld id="{AAE887C4-8D00-4515-BD6B-6D6B646F02F7}" type="datetime1">
               <a:rPr lang="en-US" smtClean="0"/>
-              <a:t>1/18/2019</a:t>
+              <a:t>1/21/2019</a:t>
             </a:fld>
             <a:endParaRPr lang="en-US"/>
           </a:p>
@@ -3950,7 +3950,7 @@
           <a:p>
             <a:fld id="{10C13C5A-776A-4D2B-A91E-2ACB7D90E7CC}" type="datetime1">
               <a:rPr lang="en-US" smtClean="0"/>
-              <a:t>1/18/2019</a:t>
+              <a:t>1/21/2019</a:t>
             </a:fld>
             <a:endParaRPr lang="en-US"/>
           </a:p>
@@ -4063,7 +4063,7 @@
           <a:p>
             <a:fld id="{00A5D59F-6FC3-492C-BAE3-F50C9D1FBA31}" type="datetime1">
               <a:rPr lang="en-US" smtClean="0"/>
-              <a:t>1/18/2019</a:t>
+              <a:t>1/21/2019</a:t>
             </a:fld>
             <a:endParaRPr lang="en-US"/>
           </a:p>
@@ -4356,7 +4356,7 @@
           <a:p>
             <a:fld id="{CD78B45F-E474-4F2F-801A-58FC9FE22655}" type="datetime1">
               <a:rPr lang="en-US" smtClean="0"/>
-              <a:t>1/18/2019</a:t>
+              <a:t>1/21/2019</a:t>
             </a:fld>
             <a:endParaRPr lang="en-US"/>
           </a:p>
@@ -4630,7 +4630,7 @@
           <a:p>
             <a:fld id="{FDF35450-A835-4587-8F84-782057674F92}" type="datetime1">
               <a:rPr lang="en-US" smtClean="0"/>
-              <a:t>1/18/2019</a:t>
+              <a:t>1/21/2019</a:t>
             </a:fld>
             <a:endParaRPr lang="en-US"/>
           </a:p>
@@ -4752,17 +4752,17 @@
           </a:ln>
           <a:extLst>
             <a:ext uri="{FAA26D3D-D897-4be2-8F04-BA451C77F1D7}">
-              <ma14:placeholderFlag xmlns:ma14="http://schemas.microsoft.com/office/mac/drawingml/2011/main" xmlns="" val="1"/>
+              <ma14:placeholderFlag xmlns="" xmlns:ma14="http://schemas.microsoft.com/office/mac/drawingml/2011/main" val="1"/>
             </a:ext>
             <a:ext uri="{909E8E84-426E-40dd-AFC4-6F175D3DCCD1}">
-              <a14:hiddenFill xmlns:a14="http://schemas.microsoft.com/office/drawing/2010/main" xmlns="">
+              <a14:hiddenFill xmlns="" xmlns:a14="http://schemas.microsoft.com/office/drawing/2010/main">
                 <a:solidFill>
                   <a:srgbClr val="FFFFFF"/>
                 </a:solidFill>
               </a14:hiddenFill>
             </a:ext>
             <a:ext uri="{91240B29-F687-4f45-9708-019B960494DF}">
-              <a14:hiddenLine xmlns:a14="http://schemas.microsoft.com/office/drawing/2010/main" xmlns="" w="9525">
+              <a14:hiddenLine xmlns="" xmlns:a14="http://schemas.microsoft.com/office/drawing/2010/main" w="9525">
                 <a:solidFill>
                   <a:srgbClr val="000000"/>
                 </a:solidFill>
@@ -4814,17 +4814,17 @@
           </a:ln>
           <a:extLst>
             <a:ext uri="{FAA26D3D-D897-4be2-8F04-BA451C77F1D7}">
-              <ma14:placeholderFlag xmlns:ma14="http://schemas.microsoft.com/office/mac/drawingml/2011/main" xmlns="" val="1"/>
+              <ma14:placeholderFlag xmlns="" xmlns:ma14="http://schemas.microsoft.com/office/mac/drawingml/2011/main" val="1"/>
             </a:ext>
             <a:ext uri="{909E8E84-426E-40dd-AFC4-6F175D3DCCD1}">
-              <a14:hiddenFill xmlns:a14="http://schemas.microsoft.com/office/drawing/2010/main" xmlns="">
+              <a14:hiddenFill xmlns="" xmlns:a14="http://schemas.microsoft.com/office/drawing/2010/main">
                 <a:solidFill>
                   <a:srgbClr val="FFFFFF"/>
                 </a:solidFill>
               </a14:hiddenFill>
             </a:ext>
             <a:ext uri="{91240B29-F687-4f45-9708-019B960494DF}">
-              <a14:hiddenLine xmlns:a14="http://schemas.microsoft.com/office/drawing/2010/main" xmlns="" w="9525">
+              <a14:hiddenLine xmlns="" xmlns:a14="http://schemas.microsoft.com/office/drawing/2010/main" w="9525">
                 <a:solidFill>
                   <a:srgbClr val="000000"/>
                 </a:solidFill>
@@ -4924,7 +4924,7 @@
           <a:p>
             <a:fld id="{F6803E09-2A09-4EEA-8E99-292225B5EDFC}" type="datetime1">
               <a:rPr lang="en-US" smtClean="0"/>
-              <a:t>1/18/2019</a:t>
+              <a:t>1/21/2019</a:t>
             </a:fld>
             <a:endParaRPr lang="en-US"/>
           </a:p>
@@ -5092,7 +5092,7 @@
           </a:ln>
           <a:extLst>
             <a:ext uri="{909E8E84-426E-40dd-AFC4-6F175D3DCCD1}">
-              <a14:hiddenFill xmlns:a14="http://schemas.microsoft.com/office/drawing/2010/main" xmlns="">
+              <a14:hiddenFill xmlns="" xmlns:a14="http://schemas.microsoft.com/office/drawing/2010/main">
                 <a:solidFill>
                   <a:srgbClr val="FFFFFF"/>
                 </a:solidFill>
@@ -5135,7 +5135,7 @@
           </a:ln>
           <a:extLst>
             <a:ext uri="{909E8E84-426E-40dd-AFC4-6F175D3DCCD1}">
-              <a14:hiddenFill xmlns:a14="http://schemas.microsoft.com/office/drawing/2010/main" xmlns="">
+              <a14:hiddenFill xmlns="" xmlns:a14="http://schemas.microsoft.com/office/drawing/2010/main">
                 <a:noFill/>
               </a14:hiddenFill>
             </a:ext>
@@ -5620,7 +5620,7 @@
           <p:cNvPr id="2" name="Title 1">
             <a:extLst>
               <a:ext uri="{FF2B5EF4-FFF2-40B4-BE49-F238E27FC236}">
-                <a16:creationId xmlns:a16="http://schemas.microsoft.com/office/drawing/2014/main" xmlns="" id="{4819A39B-28BB-4873-9914-8FEE18891DD4}"/>
+                <a16:creationId xmlns="" xmlns:a16="http://schemas.microsoft.com/office/drawing/2014/main" id="{4819A39B-28BB-4873-9914-8FEE18891DD4}"/>
               </a:ext>
             </a:extLst>
           </p:cNvPr>
@@ -5656,7 +5656,7 @@
           <p:cNvPr id="5" name="Subtitle 2">
             <a:extLst>
               <a:ext uri="{FF2B5EF4-FFF2-40B4-BE49-F238E27FC236}">
-                <a16:creationId xmlns:a16="http://schemas.microsoft.com/office/drawing/2014/main" xmlns="" id="{2BECD79D-0B3A-44C2-A155-03EC2A6A5D3B}"/>
+                <a16:creationId xmlns="" xmlns:a16="http://schemas.microsoft.com/office/drawing/2014/main" id="{2BECD79D-0B3A-44C2-A155-03EC2A6A5D3B}"/>
               </a:ext>
             </a:extLst>
           </p:cNvPr>
@@ -5679,17 +5679,17 @@
           </a:ln>
           <a:extLst>
             <a:ext uri="{FAA26D3D-D897-4be2-8F04-BA451C77F1D7}">
-              <ma14:placeholderFlag xmlns="" xmlns:ma14="http://schemas.microsoft.com/office/mac/drawingml/2011/main" val="1"/>
+              <ma14:placeholderFlag xmlns:ma14="http://schemas.microsoft.com/office/mac/drawingml/2011/main" xmlns="" val="1"/>
             </a:ext>
             <a:ext uri="{909E8E84-426E-40dd-AFC4-6F175D3DCCD1}">
-              <a14:hiddenFill xmlns="" xmlns:a14="http://schemas.microsoft.com/office/drawing/2010/main">
+              <a14:hiddenFill xmlns:a14="http://schemas.microsoft.com/office/drawing/2010/main" xmlns="">
                 <a:solidFill>
                   <a:srgbClr val="FFFFFF"/>
                 </a:solidFill>
               </a14:hiddenFill>
             </a:ext>
             <a:ext uri="{91240B29-F687-4f45-9708-019B960494DF}">
-              <a14:hiddenLine xmlns="" xmlns:a14="http://schemas.microsoft.com/office/drawing/2010/main" w="9525">
+              <a14:hiddenLine xmlns:a14="http://schemas.microsoft.com/office/drawing/2010/main" xmlns="" w="9525">
                 <a:solidFill>
                   <a:srgbClr val="000000"/>
                 </a:solidFill>
@@ -5934,12 +5934,12 @@
               <a:t>Enero</a:t>
             </a:r>
             <a:r>
-              <a:rPr lang="en-US" kern="0" dirty="0"/>
+              <a:rPr lang="en-US" kern="0"/>
               <a:t>, </a:t>
             </a:r>
             <a:r>
-              <a:rPr lang="en-US" kern="0" dirty="0" smtClean="0"/>
-              <a:t>2018</a:t>
+              <a:rPr lang="en-US" kern="0" smtClean="0"/>
+              <a:t>2019</a:t>
             </a:r>
             <a:endParaRPr lang="en-US" kern="0" dirty="0"/>
           </a:p>
@@ -6069,15 +6069,7 @@
           <a:p>
             <a:r>
               <a:rPr lang="es-419" dirty="0" smtClean="0"/>
-              <a:t>Un </a:t>
-            </a:r>
-            <a:r>
-              <a:rPr lang="es-419" dirty="0" smtClean="0"/>
-              <a:t>análisis Bayesiano </a:t>
-            </a:r>
-            <a:r>
-              <a:rPr lang="es-419" dirty="0" smtClean="0"/>
-              <a:t>toma mucho tiempo</a:t>
+              <a:t>Un análisis Bayesiano toma mucho tiempo</a:t>
             </a:r>
           </a:p>
           <a:p>
@@ -7059,7 +7051,7 @@
           <p:cNvPr id="2" name="Title 1">
             <a:extLst>
               <a:ext uri="{FF2B5EF4-FFF2-40B4-BE49-F238E27FC236}">
-                <a16:creationId xmlns:a16="http://schemas.microsoft.com/office/drawing/2014/main" xmlns="" id="{1938EEE1-16A1-4461-966D-58E6B7F960D5}"/>
+                <a16:creationId xmlns="" xmlns:a16="http://schemas.microsoft.com/office/drawing/2014/main" id="{1938EEE1-16A1-4461-966D-58E6B7F960D5}"/>
               </a:ext>
             </a:extLst>
           </p:cNvPr>
@@ -7088,7 +7080,7 @@
           <p:cNvPr id="3" name="Content Placeholder 2">
             <a:extLst>
               <a:ext uri="{FF2B5EF4-FFF2-40B4-BE49-F238E27FC236}">
-                <a16:creationId xmlns:a16="http://schemas.microsoft.com/office/drawing/2014/main" xmlns="" id="{16909E00-9561-4D80-9B05-66AD8C463F11}"/>
+                <a16:creationId xmlns="" xmlns:a16="http://schemas.microsoft.com/office/drawing/2014/main" id="{16909E00-9561-4D80-9B05-66AD8C463F11}"/>
               </a:ext>
             </a:extLst>
           </p:cNvPr>
@@ -7163,7 +7155,7 @@
           <p:cNvPr id="4" name="Slide Number Placeholder 3">
             <a:extLst>
               <a:ext uri="{FF2B5EF4-FFF2-40B4-BE49-F238E27FC236}">
-                <a16:creationId xmlns:a16="http://schemas.microsoft.com/office/drawing/2014/main" xmlns="" id="{CB84EEA5-6A5B-41AD-A657-0FB9D664CBD4}"/>
+                <a16:creationId xmlns="" xmlns:a16="http://schemas.microsoft.com/office/drawing/2014/main" id="{CB84EEA5-6A5B-41AD-A657-0FB9D664CBD4}"/>
               </a:ext>
             </a:extLst>
           </p:cNvPr>
@@ -7253,7 +7245,7 @@
           <p:cNvPr id="2" name="Title 1">
             <a:extLst>
               <a:ext uri="{FF2B5EF4-FFF2-40B4-BE49-F238E27FC236}">
-                <a16:creationId xmlns:a16="http://schemas.microsoft.com/office/drawing/2014/main" xmlns="" id="{80F7DCC6-71E1-4DF2-97AA-E5A8DB3F1534}"/>
+                <a16:creationId xmlns="" xmlns:a16="http://schemas.microsoft.com/office/drawing/2014/main" id="{80F7DCC6-71E1-4DF2-97AA-E5A8DB3F1534}"/>
               </a:ext>
             </a:extLst>
           </p:cNvPr>
@@ -7286,7 +7278,7 @@
           <p:cNvPr id="3" name="Content Placeholder 2">
             <a:extLst>
               <a:ext uri="{FF2B5EF4-FFF2-40B4-BE49-F238E27FC236}">
-                <a16:creationId xmlns:a16="http://schemas.microsoft.com/office/drawing/2014/main" xmlns="" id="{E40E67CA-8C31-40FF-A936-8803BCFAF8B3}"/>
+                <a16:creationId xmlns="" xmlns:a16="http://schemas.microsoft.com/office/drawing/2014/main" id="{E40E67CA-8C31-40FF-A936-8803BCFAF8B3}"/>
               </a:ext>
             </a:extLst>
           </p:cNvPr>
@@ -7412,7 +7404,7 @@
           <p:cNvPr id="4" name="Slide Number Placeholder 3">
             <a:extLst>
               <a:ext uri="{FF2B5EF4-FFF2-40B4-BE49-F238E27FC236}">
-                <a16:creationId xmlns:a16="http://schemas.microsoft.com/office/drawing/2014/main" xmlns="" id="{C3F490B8-41BF-42A2-859F-AC4D17B02629}"/>
+                <a16:creationId xmlns="" xmlns:a16="http://schemas.microsoft.com/office/drawing/2014/main" id="{C3F490B8-41BF-42A2-859F-AC4D17B02629}"/>
               </a:ext>
             </a:extLst>
           </p:cNvPr>
@@ -7478,7 +7470,7 @@
           <p:cNvPr id="2" name="Title 1">
             <a:extLst>
               <a:ext uri="{FF2B5EF4-FFF2-40B4-BE49-F238E27FC236}">
-                <a16:creationId xmlns:a16="http://schemas.microsoft.com/office/drawing/2014/main" xmlns="" id="{E58841CB-F12A-49AE-A0F6-FC905252F346}"/>
+                <a16:creationId xmlns="" xmlns:a16="http://schemas.microsoft.com/office/drawing/2014/main" id="{E58841CB-F12A-49AE-A0F6-FC905252F346}"/>
               </a:ext>
             </a:extLst>
           </p:cNvPr>
@@ -7507,7 +7499,7 @@
           <p:cNvPr id="4" name="Slide Number Placeholder 3">
             <a:extLst>
               <a:ext uri="{FF2B5EF4-FFF2-40B4-BE49-F238E27FC236}">
-                <a16:creationId xmlns:a16="http://schemas.microsoft.com/office/drawing/2014/main" xmlns="" id="{28183925-41CE-45AE-9C75-56FB10A283D7}"/>
+                <a16:creationId xmlns="" xmlns:a16="http://schemas.microsoft.com/office/drawing/2014/main" id="{28183925-41CE-45AE-9C75-56FB10A283D7}"/>
               </a:ext>
             </a:extLst>
           </p:cNvPr>
@@ -7536,7 +7528,7 @@
           <p:cNvPr id="7" name="Table 6">
             <a:extLst>
               <a:ext uri="{FF2B5EF4-FFF2-40B4-BE49-F238E27FC236}">
-                <a16:creationId xmlns:a16="http://schemas.microsoft.com/office/drawing/2014/main" xmlns="" id="{5A715EBA-BA67-4106-AD2E-72C266A592B8}"/>
+                <a16:creationId xmlns="" xmlns:a16="http://schemas.microsoft.com/office/drawing/2014/main" id="{5A715EBA-BA67-4106-AD2E-72C266A592B8}"/>
               </a:ext>
             </a:extLst>
           </p:cNvPr>
@@ -7561,21 +7553,21 @@
                 <a:gridCol w="2085975">
                   <a:extLst>
                     <a:ext uri="{9D8B030D-6E8A-4147-A177-3AD203B41FA5}">
-                      <a16:colId xmlns:a16="http://schemas.microsoft.com/office/drawing/2014/main" xmlns="" val="1489099423"/>
+                      <a16:colId xmlns="" xmlns:a16="http://schemas.microsoft.com/office/drawing/2014/main" val="1489099423"/>
                     </a:ext>
                   </a:extLst>
                 </a:gridCol>
                 <a:gridCol w="2847975">
                   <a:extLst>
                     <a:ext uri="{9D8B030D-6E8A-4147-A177-3AD203B41FA5}">
-                      <a16:colId xmlns:a16="http://schemas.microsoft.com/office/drawing/2014/main" xmlns="" val="2143065116"/>
+                      <a16:colId xmlns="" xmlns:a16="http://schemas.microsoft.com/office/drawing/2014/main" val="2143065116"/>
                     </a:ext>
                   </a:extLst>
                 </a:gridCol>
                 <a:gridCol w="3438525">
                   <a:extLst>
                     <a:ext uri="{9D8B030D-6E8A-4147-A177-3AD203B41FA5}">
-                      <a16:colId xmlns:a16="http://schemas.microsoft.com/office/drawing/2014/main" xmlns="" val="2806201724"/>
+                      <a16:colId xmlns="" xmlns:a16="http://schemas.microsoft.com/office/drawing/2014/main" val="2806201724"/>
                     </a:ext>
                   </a:extLst>
                 </a:gridCol>
@@ -7620,7 +7612,7 @@
                 </a:tc>
                 <a:extLst>
                   <a:ext uri="{0D108BD9-81ED-4DB2-BD59-A6C34878D82A}">
-                    <a16:rowId xmlns:a16="http://schemas.microsoft.com/office/drawing/2014/main" xmlns="" val="2756381196"/>
+                    <a16:rowId xmlns="" xmlns:a16="http://schemas.microsoft.com/office/drawing/2014/main" val="2756381196"/>
                   </a:ext>
                 </a:extLst>
               </a:tr>
@@ -7678,7 +7670,7 @@
                 </a:tc>
                 <a:extLst>
                   <a:ext uri="{0D108BD9-81ED-4DB2-BD59-A6C34878D82A}">
-                    <a16:rowId xmlns:a16="http://schemas.microsoft.com/office/drawing/2014/main" xmlns="" val="477521452"/>
+                    <a16:rowId xmlns="" xmlns:a16="http://schemas.microsoft.com/office/drawing/2014/main" val="477521452"/>
                   </a:ext>
                 </a:extLst>
               </a:tr>
@@ -7724,7 +7716,7 @@
                 </a:tc>
                 <a:extLst>
                   <a:ext uri="{0D108BD9-81ED-4DB2-BD59-A6C34878D82A}">
-                    <a16:rowId xmlns:a16="http://schemas.microsoft.com/office/drawing/2014/main" xmlns="" val="4186324477"/>
+                    <a16:rowId xmlns="" xmlns:a16="http://schemas.microsoft.com/office/drawing/2014/main" val="4186324477"/>
                   </a:ext>
                 </a:extLst>
               </a:tr>
@@ -7770,7 +7762,7 @@
                 </a:tc>
                 <a:extLst>
                   <a:ext uri="{0D108BD9-81ED-4DB2-BD59-A6C34878D82A}">
-                    <a16:rowId xmlns:a16="http://schemas.microsoft.com/office/drawing/2014/main" xmlns="" val="2886965010"/>
+                    <a16:rowId xmlns="" xmlns:a16="http://schemas.microsoft.com/office/drawing/2014/main" val="2886965010"/>
                   </a:ext>
                 </a:extLst>
               </a:tr>
@@ -7816,7 +7808,7 @@
                 </a:tc>
                 <a:extLst>
                   <a:ext uri="{0D108BD9-81ED-4DB2-BD59-A6C34878D82A}">
-                    <a16:rowId xmlns:a16="http://schemas.microsoft.com/office/drawing/2014/main" xmlns="" val="965711301"/>
+                    <a16:rowId xmlns="" xmlns:a16="http://schemas.microsoft.com/office/drawing/2014/main" val="965711301"/>
                   </a:ext>
                 </a:extLst>
               </a:tr>
@@ -7862,7 +7854,7 @@
                 </a:tc>
                 <a:extLst>
                   <a:ext uri="{0D108BD9-81ED-4DB2-BD59-A6C34878D82A}">
-                    <a16:rowId xmlns:a16="http://schemas.microsoft.com/office/drawing/2014/main" xmlns="" val="2667989358"/>
+                    <a16:rowId xmlns="" xmlns:a16="http://schemas.microsoft.com/office/drawing/2014/main" val="2667989358"/>
                   </a:ext>
                 </a:extLst>
               </a:tr>
@@ -7875,7 +7867,7 @@
           <p:cNvPr id="8" name="TextBox 7">
             <a:extLst>
               <a:ext uri="{FF2B5EF4-FFF2-40B4-BE49-F238E27FC236}">
-                <a16:creationId xmlns:a16="http://schemas.microsoft.com/office/drawing/2014/main" xmlns="" id="{4D1BDB25-B765-4988-8C88-9403DF8C9D40}"/>
+                <a16:creationId xmlns="" xmlns:a16="http://schemas.microsoft.com/office/drawing/2014/main" id="{4D1BDB25-B765-4988-8C88-9403DF8C9D40}"/>
               </a:ext>
             </a:extLst>
           </p:cNvPr>
@@ -7947,7 +7939,7 @@
           <p:cNvPr id="2" name="Title 1">
             <a:extLst>
               <a:ext uri="{FF2B5EF4-FFF2-40B4-BE49-F238E27FC236}">
-                <a16:creationId xmlns:a16="http://schemas.microsoft.com/office/drawing/2014/main" xmlns="" id="{8C55C254-BC36-4A04-AFEA-41B3912E23CE}"/>
+                <a16:creationId xmlns="" xmlns:a16="http://schemas.microsoft.com/office/drawing/2014/main" id="{8C55C254-BC36-4A04-AFEA-41B3912E23CE}"/>
               </a:ext>
             </a:extLst>
           </p:cNvPr>
@@ -7976,7 +7968,7 @@
           <p:cNvPr id="3" name="Content Placeholder 2">
             <a:extLst>
               <a:ext uri="{FF2B5EF4-FFF2-40B4-BE49-F238E27FC236}">
-                <a16:creationId xmlns:a16="http://schemas.microsoft.com/office/drawing/2014/main" xmlns="" id="{98825B73-670B-47B8-9AEF-873D89CA6C67}"/>
+                <a16:creationId xmlns="" xmlns:a16="http://schemas.microsoft.com/office/drawing/2014/main" id="{98825B73-670B-47B8-9AEF-873D89CA6C67}"/>
               </a:ext>
             </a:extLst>
           </p:cNvPr>
@@ -8056,7 +8048,7 @@
           <p:cNvPr id="4" name="Slide Number Placeholder 3">
             <a:extLst>
               <a:ext uri="{FF2B5EF4-FFF2-40B4-BE49-F238E27FC236}">
-                <a16:creationId xmlns:a16="http://schemas.microsoft.com/office/drawing/2014/main" xmlns="" id="{416B2EE1-1618-4B97-8C5E-68CCFAECB68A}"/>
+                <a16:creationId xmlns="" xmlns:a16="http://schemas.microsoft.com/office/drawing/2014/main" id="{416B2EE1-1618-4B97-8C5E-68CCFAECB68A}"/>
               </a:ext>
             </a:extLst>
           </p:cNvPr>
@@ -8122,7 +8114,7 @@
           <p:cNvPr id="2" name="Title 1">
             <a:extLst>
               <a:ext uri="{FF2B5EF4-FFF2-40B4-BE49-F238E27FC236}">
-                <a16:creationId xmlns:a16="http://schemas.microsoft.com/office/drawing/2014/main" xmlns="" id="{8C55C254-BC36-4A04-AFEA-41B3912E23CE}"/>
+                <a16:creationId xmlns="" xmlns:a16="http://schemas.microsoft.com/office/drawing/2014/main" id="{8C55C254-BC36-4A04-AFEA-41B3912E23CE}"/>
               </a:ext>
             </a:extLst>
           </p:cNvPr>
@@ -8151,7 +8143,7 @@
           <p:cNvPr id="3" name="Content Placeholder 2">
             <a:extLst>
               <a:ext uri="{FF2B5EF4-FFF2-40B4-BE49-F238E27FC236}">
-                <a16:creationId xmlns:a16="http://schemas.microsoft.com/office/drawing/2014/main" xmlns="" id="{98825B73-670B-47B8-9AEF-873D89CA6C67}"/>
+                <a16:creationId xmlns="" xmlns:a16="http://schemas.microsoft.com/office/drawing/2014/main" id="{98825B73-670B-47B8-9AEF-873D89CA6C67}"/>
               </a:ext>
             </a:extLst>
           </p:cNvPr>
@@ -8287,7 +8279,7 @@
           <p:cNvPr id="4" name="Slide Number Placeholder 3">
             <a:extLst>
               <a:ext uri="{FF2B5EF4-FFF2-40B4-BE49-F238E27FC236}">
-                <a16:creationId xmlns:a16="http://schemas.microsoft.com/office/drawing/2014/main" xmlns="" id="{416B2EE1-1618-4B97-8C5E-68CCFAECB68A}"/>
+                <a16:creationId xmlns="" xmlns:a16="http://schemas.microsoft.com/office/drawing/2014/main" id="{416B2EE1-1618-4B97-8C5E-68CCFAECB68A}"/>
               </a:ext>
             </a:extLst>
           </p:cNvPr>
@@ -8506,7 +8498,7 @@
           <p:cNvPr id="2" name="Title 1">
             <a:extLst>
               <a:ext uri="{FF2B5EF4-FFF2-40B4-BE49-F238E27FC236}">
-                <a16:creationId xmlns:a16="http://schemas.microsoft.com/office/drawing/2014/main" xmlns="" id="{FFE6D1CD-2DA6-4AF5-9002-1ACADDDD9808}"/>
+                <a16:creationId xmlns="" xmlns:a16="http://schemas.microsoft.com/office/drawing/2014/main" id="{FFE6D1CD-2DA6-4AF5-9002-1ACADDDD9808}"/>
               </a:ext>
             </a:extLst>
           </p:cNvPr>
@@ -8540,7 +8532,7 @@
           <p:cNvPr id="3" name="Content Placeholder 2">
             <a:extLst>
               <a:ext uri="{FF2B5EF4-FFF2-40B4-BE49-F238E27FC236}">
-                <a16:creationId xmlns:a16="http://schemas.microsoft.com/office/drawing/2014/main" xmlns:a14="http://schemas.microsoft.com/office/drawing/2010/main" xmlns:mc="http://schemas.openxmlformats.org/markup-compatibility/2006" xmlns="" id="{130B78F3-E1B7-409E-BDFD-488E7FFC3F33}"/>
+                <a16:creationId xmlns="" xmlns:mc="http://schemas.openxmlformats.org/markup-compatibility/2006" xmlns:a14="http://schemas.microsoft.com/office/drawing/2010/main" xmlns:a16="http://schemas.microsoft.com/office/drawing/2014/main" id="{130B78F3-E1B7-409E-BDFD-488E7FFC3F33}"/>
               </a:ext>
             </a:extLst>
           </p:cNvPr>
@@ -8606,7 +8598,7 @@
           <p:cNvPr id="4" name="Slide Number Placeholder 3">
             <a:extLst>
               <a:ext uri="{FF2B5EF4-FFF2-40B4-BE49-F238E27FC236}">
-                <a16:creationId xmlns:a16="http://schemas.microsoft.com/office/drawing/2014/main" xmlns="" id="{3B7F1D3A-AB7F-4C2E-8CFC-CFEE6E7575F8}"/>
+                <a16:creationId xmlns="" xmlns:a16="http://schemas.microsoft.com/office/drawing/2014/main" id="{3B7F1D3A-AB7F-4C2E-8CFC-CFEE6E7575F8}"/>
               </a:ext>
             </a:extLst>
           </p:cNvPr>
